--- a/Task 1/British Airways Task1.pptx
+++ b/Task 1/British Airways Task1.pptx
@@ -3055,6 +3055,35 @@
           </a:prstGeom>
         </p:spPr>
       </p:pic>
+      <p:sp>
+        <p:nvSpPr>
+          <p:cNvPr id="2" name="Text Box 1"/>
+          <p:cNvSpPr txBox="1"/>
+          <p:nvPr/>
+        </p:nvSpPr>
+        <p:spPr>
+          <a:xfrm>
+            <a:off x="4627245" y="533400"/>
+            <a:ext cx="3862705" cy="583565"/>
+          </a:xfrm>
+          <a:prstGeom prst="rect">
+            <a:avLst/>
+          </a:prstGeom>
+          <a:noFill/>
+        </p:spPr>
+        <p:txBody>
+          <a:bodyPr wrap="square" rtlCol="0">
+            <a:spAutoFit/>
+          </a:bodyPr>
+          <a:p>
+            <a:r>
+              <a:rPr lang="en-US" sz="3200" b="1"/>
+              <a:t>Review Analysis</a:t>
+            </a:r>
+            <a:endParaRPr lang="en-US" sz="3200" b="1"/>
+          </a:p>
+        </p:txBody>
+      </p:sp>
     </p:spTree>
   </p:cSld>
   <p:clrMapOvr>
@@ -3066,6 +3095,40 @@
 <file path=ppt/slides/slide3.xml><?xml version="1.0" encoding="utf-8"?>
 <p:sld xmlns:a="http://schemas.openxmlformats.org/drawingml/2006/main" xmlns:r="http://schemas.openxmlformats.org/officeDocument/2006/relationships" xmlns:p="http://schemas.openxmlformats.org/presentationml/2006/main">
   <p:cSld>
+    <p:bg>
+      <p:bgPr>
+        <a:gradFill>
+          <a:gsLst>
+            <a:gs pos="0">
+              <a:schemeClr val="accent1">
+                <a:lumMod val="5000"/>
+                <a:lumOff val="95000"/>
+              </a:schemeClr>
+            </a:gs>
+            <a:gs pos="74000">
+              <a:schemeClr val="accent1">
+                <a:lumMod val="45000"/>
+                <a:lumOff val="55000"/>
+              </a:schemeClr>
+            </a:gs>
+            <a:gs pos="83000">
+              <a:schemeClr val="accent1">
+                <a:lumMod val="45000"/>
+                <a:lumOff val="55000"/>
+              </a:schemeClr>
+            </a:gs>
+            <a:gs pos="100000">
+              <a:schemeClr val="accent1">
+                <a:lumMod val="30000"/>
+                <a:lumOff val="70000"/>
+              </a:schemeClr>
+            </a:gs>
+          </a:gsLst>
+          <a:lin ang="5400000" scaled="0"/>
+        </a:gradFill>
+        <a:effectLst/>
+      </p:bgPr>
+    </p:bg>
     <p:spTree>
       <p:nvGrpSpPr>
         <p:cNvPr id="1" name=""/>
@@ -3091,14 +3154,48 @@
         </p:blipFill>
         <p:spPr>
           <a:xfrm>
-            <a:off x="2181225" y="1593215"/>
-            <a:ext cx="8426450" cy="4305300"/>
+            <a:off x="1376680" y="1503045"/>
+            <a:ext cx="9745980" cy="4979670"/>
           </a:xfrm>
           <a:prstGeom prst="rect">
             <a:avLst/>
           </a:prstGeom>
+          <a:ln>
+            <a:solidFill>
+              <a:schemeClr val="accent1"/>
+            </a:solidFill>
+          </a:ln>
         </p:spPr>
       </p:pic>
+      <p:sp>
+        <p:nvSpPr>
+          <p:cNvPr id="2" name="Text Box 1"/>
+          <p:cNvSpPr txBox="1"/>
+          <p:nvPr/>
+        </p:nvSpPr>
+        <p:spPr>
+          <a:xfrm>
+            <a:off x="3488690" y="497205"/>
+            <a:ext cx="6116955" cy="460375"/>
+          </a:xfrm>
+          <a:prstGeom prst="rect">
+            <a:avLst/>
+          </a:prstGeom>
+          <a:noFill/>
+        </p:spPr>
+        <p:txBody>
+          <a:bodyPr wrap="square" rtlCol="0">
+            <a:spAutoFit/>
+          </a:bodyPr>
+          <a:p>
+            <a:r>
+              <a:rPr lang="en-US" sz="2400" b="1"/>
+              <a:t>Listing the common words via Lemmatization</a:t>
+            </a:r>
+            <a:endParaRPr lang="en-US" sz="2400" b="1"/>
+          </a:p>
+        </p:txBody>
+      </p:sp>
     </p:spTree>
   </p:cSld>
   <p:clrMapOvr>
